--- a/references/Car-Box-Agreeing-about-agreements.pptx
+++ b/references/Car-Box-Agreeing-about-agreements.pptx
@@ -4379,8 +4379,8 @@
         </p:nvCxnSpPr>
         <p:spPr bwMode="auto">
           <a:xfrm rot="16200000" flipV="1">
-            <a:off x="3167935" y="2911473"/>
-            <a:ext cx="611807" cy="890446"/>
+            <a:off x="3318662" y="3062200"/>
+            <a:ext cx="309108" cy="891690"/>
           </a:xfrm>
           <a:prstGeom prst="curvedConnector2">
             <a:avLst/>
@@ -4419,7 +4419,7 @@
         </p:nvSpPr>
         <p:spPr bwMode="auto">
           <a:xfrm>
-            <a:off x="1372433" y="2748242"/>
+            <a:off x="1371189" y="3050941"/>
             <a:ext cx="1656184" cy="792088"/>
           </a:xfrm>
           <a:prstGeom prst="pentagon">
@@ -4467,7 +4467,7 @@
             </a:pPr>
             <a:r>
               <a:rPr lang="en-AU" sz="1400" dirty="0" err="1" smtClean="0"/>
-              <a:t>org:Group</a:t>
+              <a:t>prov:Agent</a:t>
             </a:r>
             <a:endParaRPr kumimoji="0" lang="en-AU" sz="1400" b="0" i="0" u="none" strike="noStrike" cap="none" normalizeH="0" baseline="0" dirty="0" smtClean="0">
               <a:ln>
@@ -4490,7 +4490,7 @@
         </p:nvSpPr>
         <p:spPr>
           <a:xfrm>
-            <a:off x="3445347" y="2811123"/>
+            <a:off x="3131840" y="2897052"/>
             <a:ext cx="1855957" cy="307777"/>
           </a:xfrm>
           <a:prstGeom prst="rect">
@@ -4520,7 +4520,7 @@
         </p:nvSpPr>
         <p:spPr>
           <a:xfrm>
-            <a:off x="755576" y="4147297"/>
+            <a:off x="3112964" y="4694021"/>
             <a:ext cx="1478290" cy="307777"/>
           </a:xfrm>
           <a:prstGeom prst="rect">
@@ -4550,7 +4550,7 @@
         </p:nvSpPr>
         <p:spPr>
           <a:xfrm>
-            <a:off x="5754205" y="4543051"/>
+            <a:off x="6372200" y="3541073"/>
             <a:ext cx="1728191" cy="825372"/>
           </a:xfrm>
           <a:prstGeom prst="ellipse">
@@ -4612,19 +4612,17 @@
           <p:cNvPr id="24" name="Curved Connector 23"/>
           <p:cNvCxnSpPr>
             <a:stCxn id="5" idx="3"/>
-            <a:endCxn id="15" idx="3"/>
+            <a:endCxn id="13" idx="5"/>
           </p:cNvCxnSpPr>
           <p:nvPr/>
         </p:nvCxnSpPr>
         <p:spPr bwMode="auto">
-          <a:xfrm rot="5400000" flipH="1">
-            <a:off x="2706845" y="3034010"/>
-            <a:ext cx="705895" cy="1718536"/>
-          </a:xfrm>
-          <a:prstGeom prst="curvedConnector3">
-            <a:avLst>
-              <a:gd name="adj1" fmla="val -49508"/>
-            </a:avLst>
+          <a:xfrm rot="5400000">
+            <a:off x="3331048" y="3942550"/>
+            <a:ext cx="284338" cy="891688"/>
+          </a:xfrm>
+          <a:prstGeom prst="curvedConnector2">
+            <a:avLst/>
           </a:prstGeom>
           <a:solidFill>
             <a:schemeClr val="accent1"/>
@@ -4656,15 +4654,15 @@
         <p:nvCxnSpPr>
           <p:cNvPr id="28" name="Curved Connector 27"/>
           <p:cNvCxnSpPr>
-            <a:stCxn id="5" idx="5"/>
-            <a:endCxn id="21" idx="1"/>
+            <a:stCxn id="5" idx="6"/>
+            <a:endCxn id="21" idx="2"/>
           </p:cNvCxnSpPr>
           <p:nvPr/>
         </p:nvCxnSpPr>
         <p:spPr bwMode="auto">
-          <a:xfrm rot="16200000" flipH="1">
-            <a:off x="5365336" y="4021966"/>
-            <a:ext cx="417699" cy="866216"/>
+          <a:xfrm flipV="1">
+            <a:off x="5394165" y="3953759"/>
+            <a:ext cx="978035" cy="653"/>
           </a:xfrm>
           <a:prstGeom prst="curvedConnector3">
             <a:avLst>
@@ -4705,7 +4703,7 @@
         </p:nvSpPr>
         <p:spPr>
           <a:xfrm>
-            <a:off x="5574185" y="4059321"/>
+            <a:off x="5313955" y="4234505"/>
             <a:ext cx="1138453" cy="307777"/>
           </a:xfrm>
           <a:prstGeom prst="rect">
@@ -4754,6 +4752,77 @@
               <a:t>Ignore the paper’s diagram!</a:t>
             </a:r>
             <a:endParaRPr lang="en-AU" i="1" dirty="0"/>
+          </a:p>
+        </p:txBody>
+      </p:sp>
+      <p:sp>
+        <p:nvSpPr>
+          <p:cNvPr id="13" name="Regular Pentagon 12"/>
+          <p:cNvSpPr/>
+          <p:nvPr/>
+        </p:nvSpPr>
+        <p:spPr bwMode="auto">
+          <a:xfrm>
+            <a:off x="1371191" y="4228013"/>
+            <a:ext cx="1656184" cy="792088"/>
+          </a:xfrm>
+          <a:prstGeom prst="pentagon">
+            <a:avLst/>
+          </a:prstGeom>
+          <a:solidFill>
+            <a:srgbClr val="FF9900"/>
+          </a:solidFill>
+          <a:ln w="25400" cap="flat" cmpd="sng" algn="ctr">
+            <a:solidFill>
+              <a:srgbClr val="FF6600"/>
+            </a:solidFill>
+            <a:prstDash val="solid"/>
+            <a:round/>
+            <a:headEnd type="none" w="med" len="med"/>
+            <a:tailEnd type="none" w="med" len="med"/>
+          </a:ln>
+          <a:effectLst/>
+          <a:extLst/>
+        </p:spPr>
+        <p:txBody>
+          <a:bodyPr vert="horz" wrap="square" lIns="0" tIns="0" rIns="0" bIns="0" numCol="1" rtlCol="0" anchor="ctr" anchorCtr="0" compatLnSpc="1">
+            <a:prstTxWarp prst="textNoShape">
+              <a:avLst/>
+            </a:prstTxWarp>
+            <a:noAutofit/>
+          </a:bodyPr>
+          <a:lstStyle/>
+          <a:p>
+            <a:pPr marL="0" marR="0" indent="0" algn="ctr" defTabSz="914400" rtl="0" eaLnBrk="0" fontAlgn="base" latinLnBrk="0" hangingPunct="0">
+              <a:lnSpc>
+                <a:spcPct val="100000"/>
+              </a:lnSpc>
+              <a:spcBef>
+                <a:spcPct val="0"/>
+              </a:spcBef>
+              <a:spcAft>
+                <a:spcPct val="0"/>
+              </a:spcAft>
+              <a:buClrTx/>
+              <a:buSzTx/>
+              <a:buFontTx/>
+              <a:buNone/>
+              <a:tabLst/>
+            </a:pPr>
+            <a:r>
+              <a:rPr lang="en-AU" sz="1400" dirty="0" err="1" smtClean="0"/>
+              <a:t>org:Group</a:t>
+            </a:r>
+            <a:endParaRPr kumimoji="0" lang="en-AU" sz="1400" b="0" i="0" u="none" strike="noStrike" cap="none" normalizeH="0" baseline="0" dirty="0" smtClean="0">
+              <a:ln>
+                <a:noFill/>
+              </a:ln>
+              <a:solidFill>
+                <a:schemeClr val="tx1"/>
+              </a:solidFill>
+              <a:effectLst/>
+              <a:latin typeface="Arial" charset="0"/>
+            </a:endParaRPr>
           </a:p>
         </p:txBody>
       </p:sp>
@@ -4974,14 +5043,14 @@
           <p:cNvPr id="6" name="Curved Connector 5"/>
           <p:cNvCxnSpPr>
             <a:stCxn id="5" idx="2"/>
-            <a:endCxn id="7" idx="5"/>
+            <a:endCxn id="22" idx="5"/>
           </p:cNvCxnSpPr>
           <p:nvPr/>
         </p:nvCxnSpPr>
         <p:spPr bwMode="auto">
-          <a:xfrm rot="10800000">
-            <a:off x="2195734" y="2360680"/>
-            <a:ext cx="2016226" cy="151578"/>
+          <a:xfrm rot="10800000" flipV="1">
+            <a:off x="2051718" y="2512257"/>
+            <a:ext cx="2160242" cy="189"/>
           </a:xfrm>
           <a:prstGeom prst="curvedConnector3">
             <a:avLst>
@@ -5014,77 +5083,6 @@
           </a:extLst>
         </p:spPr>
       </p:cxnSp>
-      <p:sp>
-        <p:nvSpPr>
-          <p:cNvPr id="7" name="Regular Pentagon 6"/>
-          <p:cNvSpPr/>
-          <p:nvPr/>
-        </p:nvSpPr>
-        <p:spPr bwMode="auto">
-          <a:xfrm>
-            <a:off x="539552" y="2058130"/>
-            <a:ext cx="1656184" cy="792088"/>
-          </a:xfrm>
-          <a:prstGeom prst="pentagon">
-            <a:avLst/>
-          </a:prstGeom>
-          <a:solidFill>
-            <a:srgbClr val="FF9900"/>
-          </a:solidFill>
-          <a:ln w="25400" cap="flat" cmpd="sng" algn="ctr">
-            <a:solidFill>
-              <a:srgbClr val="FF6600"/>
-            </a:solidFill>
-            <a:prstDash val="solid"/>
-            <a:round/>
-            <a:headEnd type="none" w="med" len="med"/>
-            <a:tailEnd type="none" w="med" len="med"/>
-          </a:ln>
-          <a:effectLst/>
-          <a:extLst/>
-        </p:spPr>
-        <p:txBody>
-          <a:bodyPr vert="horz" wrap="square" lIns="0" tIns="0" rIns="0" bIns="0" numCol="1" rtlCol="0" anchor="ctr" anchorCtr="0" compatLnSpc="1">
-            <a:prstTxWarp prst="textNoShape">
-              <a:avLst/>
-            </a:prstTxWarp>
-            <a:noAutofit/>
-          </a:bodyPr>
-          <a:lstStyle/>
-          <a:p>
-            <a:pPr marL="0" marR="0" indent="0" algn="ctr" defTabSz="914400" rtl="0" eaLnBrk="0" fontAlgn="base" latinLnBrk="0" hangingPunct="0">
-              <a:lnSpc>
-                <a:spcPct val="100000"/>
-              </a:lnSpc>
-              <a:spcBef>
-                <a:spcPct val="0"/>
-              </a:spcBef>
-              <a:spcAft>
-                <a:spcPct val="0"/>
-              </a:spcAft>
-              <a:buClrTx/>
-              <a:buSzTx/>
-              <a:buFontTx/>
-              <a:buNone/>
-              <a:tabLst/>
-            </a:pPr>
-            <a:r>
-              <a:rPr lang="en-AU" sz="1400" dirty="0" err="1" smtClean="0"/>
-              <a:t>org:Group</a:t>
-            </a:r>
-            <a:endParaRPr kumimoji="0" lang="en-AU" sz="1400" b="0" i="0" u="none" strike="noStrike" cap="none" normalizeH="0" baseline="0" dirty="0" smtClean="0">
-              <a:ln>
-                <a:noFill/>
-              </a:ln>
-              <a:solidFill>
-                <a:schemeClr val="tx1"/>
-              </a:solidFill>
-              <a:effectLst/>
-              <a:latin typeface="Arial" charset="0"/>
-            </a:endParaRPr>
-          </a:p>
-        </p:txBody>
-      </p:sp>
       <p:sp>
         <p:nvSpPr>
           <p:cNvPr id="8" name="TextBox 7"/>
@@ -5845,6 +5843,77 @@
               <a:t>Agents bound by agreements</a:t>
             </a:r>
             <a:endParaRPr lang="en-AU" sz="1400" b="1" dirty="0"/>
+          </a:p>
+        </p:txBody>
+      </p:sp>
+      <p:sp>
+        <p:nvSpPr>
+          <p:cNvPr id="22" name="Regular Pentagon 21"/>
+          <p:cNvSpPr/>
+          <p:nvPr/>
+        </p:nvSpPr>
+        <p:spPr bwMode="auto">
+          <a:xfrm>
+            <a:off x="395536" y="2209897"/>
+            <a:ext cx="1656184" cy="792088"/>
+          </a:xfrm>
+          <a:prstGeom prst="pentagon">
+            <a:avLst/>
+          </a:prstGeom>
+          <a:solidFill>
+            <a:srgbClr val="FFCC99"/>
+          </a:solidFill>
+          <a:ln w="25400" cap="flat" cmpd="sng" algn="ctr">
+            <a:solidFill>
+              <a:srgbClr val="FF6600"/>
+            </a:solidFill>
+            <a:prstDash val="solid"/>
+            <a:round/>
+            <a:headEnd type="none" w="med" len="med"/>
+            <a:tailEnd type="none" w="med" len="med"/>
+          </a:ln>
+          <a:effectLst/>
+          <a:extLst/>
+        </p:spPr>
+        <p:txBody>
+          <a:bodyPr vert="horz" wrap="square" lIns="0" tIns="0" rIns="0" bIns="0" numCol="1" rtlCol="0" anchor="ctr" anchorCtr="0" compatLnSpc="1">
+            <a:prstTxWarp prst="textNoShape">
+              <a:avLst/>
+            </a:prstTxWarp>
+            <a:noAutofit/>
+          </a:bodyPr>
+          <a:lstStyle/>
+          <a:p>
+            <a:pPr marL="0" marR="0" indent="0" algn="ctr" defTabSz="914400" rtl="0" eaLnBrk="0" fontAlgn="base" latinLnBrk="0" hangingPunct="0">
+              <a:lnSpc>
+                <a:spcPct val="100000"/>
+              </a:lnSpc>
+              <a:spcBef>
+                <a:spcPct val="0"/>
+              </a:spcBef>
+              <a:spcAft>
+                <a:spcPct val="0"/>
+              </a:spcAft>
+              <a:buClrTx/>
+              <a:buSzTx/>
+              <a:buFontTx/>
+              <a:buNone/>
+              <a:tabLst/>
+            </a:pPr>
+            <a:r>
+              <a:rPr lang="en-AU" sz="1400" dirty="0" err="1" smtClean="0"/>
+              <a:t>prov:Agent</a:t>
+            </a:r>
+            <a:endParaRPr kumimoji="0" lang="en-AU" sz="1400" b="0" i="0" u="none" strike="noStrike" cap="none" normalizeH="0" baseline="0" dirty="0" smtClean="0">
+              <a:ln>
+                <a:noFill/>
+              </a:ln>
+              <a:solidFill>
+                <a:schemeClr val="tx1"/>
+              </a:solidFill>
+              <a:effectLst/>
+              <a:latin typeface="Arial" charset="0"/>
+            </a:endParaRPr>
           </a:p>
         </p:txBody>
       </p:sp>
@@ -6428,7 +6497,7 @@
         </p:nvSpPr>
         <p:spPr bwMode="auto">
           <a:xfrm>
-            <a:off x="6015355" y="2826899"/>
+            <a:off x="6015355" y="2890399"/>
             <a:ext cx="1656184" cy="792088"/>
           </a:xfrm>
           <a:prstGeom prst="pentagon">
@@ -6587,8 +6656,8 @@
         </p:nvCxnSpPr>
         <p:spPr bwMode="auto">
           <a:xfrm rot="10800000" flipV="1">
-            <a:off x="5223267" y="3129448"/>
-            <a:ext cx="792090" cy="67873"/>
+            <a:off x="5223267" y="3192948"/>
+            <a:ext cx="792090" cy="4373"/>
           </a:xfrm>
           <a:prstGeom prst="curvedConnector3">
             <a:avLst>
@@ -6900,11 +6969,7 @@
             </a:pPr>
             <a:r>
               <a:rPr lang="en-AU" dirty="0" smtClean="0"/>
-              <a:t>How Agreements affect </a:t>
-            </a:r>
-            <a:r>
-              <a:rPr lang="en-AU" dirty="0" smtClean="0"/>
-              <a:t>Agents</a:t>
+              <a:t>How Agreements affect Agents</a:t>
             </a:r>
           </a:p>
           <a:p>
@@ -7396,11 +7461,7 @@
             </a:pPr>
             <a:r>
               <a:rPr lang="en-AU" dirty="0" smtClean="0"/>
-              <a:t>How Agreements affect </a:t>
-            </a:r>
-            <a:r>
-              <a:rPr lang="en-AU" dirty="0" smtClean="0"/>
-              <a:t>Agents</a:t>
+              <a:t>How Agreements affect Agents</a:t>
             </a:r>
           </a:p>
           <a:p>
@@ -7503,7 +7564,7 @@
         </p:nvSpPr>
         <p:spPr bwMode="auto">
           <a:xfrm>
-            <a:off x="2195736" y="3433316"/>
+            <a:off x="2195736" y="3420616"/>
             <a:ext cx="1728192" cy="825372"/>
           </a:xfrm>
           <a:prstGeom prst="ellipse">
@@ -7685,7 +7746,7 @@
           <p:nvPr/>
         </p:nvCxnSpPr>
         <p:spPr bwMode="auto">
-          <a:xfrm flipV="1">
+          <a:xfrm>
             <a:off x="3923928" y="3833302"/>
             <a:ext cx="936104" cy="12700"/>
           </a:xfrm>
@@ -7912,11 +7973,7 @@
             </a:pPr>
             <a:r>
               <a:rPr lang="en-AU" dirty="0" smtClean="0"/>
-              <a:t>How Agreements affect </a:t>
-            </a:r>
-            <a:r>
-              <a:rPr lang="en-AU" dirty="0" smtClean="0"/>
-              <a:t>Agents</a:t>
+              <a:t>How Agreements affect Agents</a:t>
             </a:r>
           </a:p>
           <a:p>
@@ -7984,7 +8041,7 @@
         </p:nvSpPr>
         <p:spPr bwMode="auto">
           <a:xfrm>
-            <a:off x="1979712" y="3019525"/>
+            <a:off x="1979712" y="3006825"/>
             <a:ext cx="1728192" cy="825372"/>
           </a:xfrm>
           <a:prstGeom prst="ellipse">
@@ -8166,7 +8223,7 @@
           <p:nvPr/>
         </p:nvCxnSpPr>
         <p:spPr bwMode="auto">
-          <a:xfrm flipV="1">
+          <a:xfrm>
             <a:off x="3707904" y="3419511"/>
             <a:ext cx="936104" cy="12700"/>
           </a:xfrm>
@@ -8571,11 +8628,7 @@
             </a:pPr>
             <a:r>
               <a:rPr lang="en-AU" dirty="0" smtClean="0"/>
-              <a:t>How Agreements affect </a:t>
-            </a:r>
-            <a:r>
-              <a:rPr lang="en-AU" dirty="0" smtClean="0"/>
-              <a:t>Agents</a:t>
+              <a:t>How Agreements affect Agents</a:t>
             </a:r>
           </a:p>
           <a:p>
@@ -8602,7 +8655,7 @@
         </p:nvSpPr>
         <p:spPr bwMode="auto">
           <a:xfrm>
-            <a:off x="311077" y="2760727"/>
+            <a:off x="311077" y="2748027"/>
             <a:ext cx="1728192" cy="825372"/>
           </a:xfrm>
           <a:prstGeom prst="ellipse">
@@ -8784,7 +8837,7 @@
           <p:nvPr/>
         </p:nvCxnSpPr>
         <p:spPr bwMode="auto">
-          <a:xfrm flipV="1">
+          <a:xfrm>
             <a:off x="2039269" y="3160713"/>
             <a:ext cx="936104" cy="12700"/>
           </a:xfrm>
@@ -11172,13 +11225,6 @@
               </a:rPr>
               <a:t>Dataset</a:t>
             </a:r>
-            <a:endParaRPr kumimoji="0" lang="en-AU" sz="1600" b="0" i="0" u="none" strike="noStrike" cap="none" normalizeH="0" baseline="0" dirty="0" smtClean="0">
-              <a:ln>
-                <a:noFill/>
-              </a:ln>
-              <a:effectLst/>
-              <a:latin typeface="Arial" charset="0"/>
-            </a:endParaRPr>
           </a:p>
         </p:txBody>
       </p:sp>
@@ -11233,7 +11279,7 @@
         </p:nvSpPr>
         <p:spPr>
           <a:xfrm>
-            <a:off x="6238171" y="2636912"/>
+            <a:off x="6238171" y="2761183"/>
             <a:ext cx="1031051" cy="307777"/>
           </a:xfrm>
           <a:prstGeom prst="rect">
@@ -11502,6 +11548,79 @@
           </a:p>
         </p:txBody>
       </p:sp>
+      <p:sp>
+        <p:nvSpPr>
+          <p:cNvPr id="23" name="TextBox 22"/>
+          <p:cNvSpPr txBox="1"/>
+          <p:nvPr/>
+        </p:nvSpPr>
+        <p:spPr>
+          <a:xfrm>
+            <a:off x="6422740" y="5397789"/>
+            <a:ext cx="2700300" cy="830997"/>
+          </a:xfrm>
+          <a:prstGeom prst="rect">
+            <a:avLst/>
+          </a:prstGeom>
+          <a:noFill/>
+        </p:spPr>
+        <p:txBody>
+          <a:bodyPr wrap="square" rtlCol="0">
+            <a:spAutoFit/>
+          </a:bodyPr>
+          <a:lstStyle/>
+          <a:p>
+            <a:pPr algn="ctr"/>
+            <a:r>
+              <a:rPr lang="en-AU" sz="1600" dirty="0" smtClean="0"/>
+              <a:t>generic thing/agreement version of the specific dataset/license relationship</a:t>
+            </a:r>
+            <a:endParaRPr lang="en-AU" sz="1600" dirty="0"/>
+          </a:p>
+        </p:txBody>
+      </p:sp>
+      <p:cxnSp>
+        <p:nvCxnSpPr>
+          <p:cNvPr id="33" name="Straight Arrow Connector 32"/>
+          <p:cNvCxnSpPr>
+            <a:stCxn id="23" idx="0"/>
+          </p:cNvCxnSpPr>
+          <p:nvPr/>
+        </p:nvCxnSpPr>
+        <p:spPr bwMode="auto">
+          <a:xfrm flipV="1">
+            <a:off x="7772890" y="4893735"/>
+            <a:ext cx="0" cy="504054"/>
+          </a:xfrm>
+          <a:prstGeom prst="straightConnector1">
+            <a:avLst/>
+          </a:prstGeom>
+          <a:solidFill>
+            <a:schemeClr val="accent1"/>
+          </a:solidFill>
+          <a:ln w="12700" cap="flat" cmpd="sng" algn="ctr">
+            <a:solidFill>
+              <a:schemeClr val="tx1"/>
+            </a:solidFill>
+            <a:prstDash val="solid"/>
+            <a:round/>
+            <a:headEnd type="none" w="med" len="med"/>
+            <a:tailEnd type="triangle"/>
+          </a:ln>
+          <a:effectLst/>
+          <a:extLst>
+            <a:ext uri="{AF507438-7753-43E0-B8FC-AC1667EBCBE1}">
+              <a14:hiddenEffects xmlns:a14="http://schemas.microsoft.com/office/drawing/2010/main">
+                <a:effectLst>
+                  <a:outerShdw dist="35921" dir="2700000" algn="ctr" rotWithShape="0">
+                    <a:schemeClr val="bg2"/>
+                  </a:outerShdw>
+                </a:effectLst>
+              </a14:hiddenEffects>
+            </a:ext>
+          </a:extLst>
+        </p:spPr>
+      </p:cxnSp>
     </p:spTree>
     <p:extLst>
       <p:ext uri="{BB962C8B-B14F-4D97-AF65-F5344CB8AC3E}">
@@ -11890,13 +12009,6 @@
               </a:rPr>
               <a:t>Dataset</a:t>
             </a:r>
-            <a:endParaRPr kumimoji="0" lang="en-AU" sz="1600" b="0" i="0" u="none" strike="noStrike" cap="none" normalizeH="0" baseline="0" dirty="0" smtClean="0">
-              <a:ln>
-                <a:noFill/>
-              </a:ln>
-              <a:effectLst/>
-              <a:latin typeface="Arial" charset="0"/>
-            </a:endParaRPr>
           </a:p>
         </p:txBody>
       </p:sp>
@@ -12123,6 +12235,124 @@
           </a:p>
         </p:txBody>
       </p:sp>
+      <p:cxnSp>
+        <p:nvCxnSpPr>
+          <p:cNvPr id="14" name="Curved Connector 13"/>
+          <p:cNvCxnSpPr>
+            <a:stCxn id="18" idx="4"/>
+            <a:endCxn id="20" idx="4"/>
+          </p:cNvCxnSpPr>
+          <p:nvPr/>
+        </p:nvCxnSpPr>
+        <p:spPr bwMode="auto">
+          <a:xfrm rot="5400000">
+            <a:off x="4427984" y="515665"/>
+            <a:ext cx="12700" cy="6912768"/>
+          </a:xfrm>
+          <a:prstGeom prst="curvedConnector3">
+            <a:avLst>
+              <a:gd name="adj1" fmla="val 5000000"/>
+            </a:avLst>
+          </a:prstGeom>
+          <a:solidFill>
+            <a:schemeClr val="accent1"/>
+          </a:solidFill>
+          <a:ln w="19050" cap="flat" cmpd="sng" algn="ctr">
+            <a:solidFill>
+              <a:schemeClr val="tx1"/>
+            </a:solidFill>
+            <a:prstDash val="dash"/>
+            <a:round/>
+            <a:headEnd type="none" w="med" len="med"/>
+            <a:tailEnd type="triangle"/>
+          </a:ln>
+          <a:effectLst/>
+          <a:extLst>
+            <a:ext uri="{AF507438-7753-43E0-B8FC-AC1667EBCBE1}">
+              <a14:hiddenEffects xmlns:a14="http://schemas.microsoft.com/office/drawing/2010/main">
+                <a:effectLst>
+                  <a:outerShdw dist="35921" dir="2700000" algn="ctr" rotWithShape="0">
+                    <a:schemeClr val="bg2"/>
+                  </a:outerShdw>
+                </a:effectLst>
+              </a14:hiddenEffects>
+            </a:ext>
+          </a:extLst>
+        </p:spPr>
+      </p:cxnSp>
+      <p:sp>
+        <p:nvSpPr>
+          <p:cNvPr id="22" name="TextBox 21"/>
+          <p:cNvSpPr txBox="1"/>
+          <p:nvPr/>
+        </p:nvSpPr>
+        <p:spPr>
+          <a:xfrm>
+            <a:off x="3023586" y="5157192"/>
+            <a:ext cx="2700300" cy="584775"/>
+          </a:xfrm>
+          <a:prstGeom prst="rect">
+            <a:avLst/>
+          </a:prstGeom>
+          <a:noFill/>
+        </p:spPr>
+        <p:txBody>
+          <a:bodyPr wrap="square" rtlCol="0">
+            <a:spAutoFit/>
+          </a:bodyPr>
+          <a:lstStyle/>
+          <a:p>
+            <a:pPr algn="ctr"/>
+            <a:r>
+              <a:rPr lang="en-AU" sz="1600" dirty="0" smtClean="0"/>
+              <a:t>transitive relationship, inferred</a:t>
+            </a:r>
+            <a:endParaRPr lang="en-AU" sz="1600" dirty="0"/>
+          </a:p>
+        </p:txBody>
+      </p:sp>
+      <p:cxnSp>
+        <p:nvCxnSpPr>
+          <p:cNvPr id="23" name="Straight Arrow Connector 22"/>
+          <p:cNvCxnSpPr>
+            <a:stCxn id="22" idx="0"/>
+          </p:cNvCxnSpPr>
+          <p:nvPr/>
+        </p:nvCxnSpPr>
+        <p:spPr bwMode="auto">
+          <a:xfrm flipV="1">
+            <a:off x="4373736" y="4653138"/>
+            <a:ext cx="0" cy="504054"/>
+          </a:xfrm>
+          <a:prstGeom prst="straightConnector1">
+            <a:avLst/>
+          </a:prstGeom>
+          <a:solidFill>
+            <a:schemeClr val="accent1"/>
+          </a:solidFill>
+          <a:ln w="12700" cap="flat" cmpd="sng" algn="ctr">
+            <a:solidFill>
+              <a:schemeClr val="tx1"/>
+            </a:solidFill>
+            <a:prstDash val="solid"/>
+            <a:round/>
+            <a:headEnd type="none" w="med" len="med"/>
+            <a:tailEnd type="triangle"/>
+          </a:ln>
+          <a:effectLst/>
+          <a:extLst>
+            <a:ext uri="{AF507438-7753-43E0-B8FC-AC1667EBCBE1}">
+              <a14:hiddenEffects xmlns:a14="http://schemas.microsoft.com/office/drawing/2010/main">
+                <a:effectLst>
+                  <a:outerShdw dist="35921" dir="2700000" algn="ctr" rotWithShape="0">
+                    <a:schemeClr val="bg2"/>
+                  </a:outerShdw>
+                </a:effectLst>
+              </a14:hiddenEffects>
+            </a:ext>
+          </a:extLst>
+        </p:spPr>
+      </p:cxnSp>
     </p:spTree>
     <p:extLst>
       <p:ext uri="{BB962C8B-B14F-4D97-AF65-F5344CB8AC3E}">
@@ -12514,11 +12744,7 @@
             </a:pPr>
             <a:r>
               <a:rPr lang="en-AU" dirty="0" smtClean="0"/>
-              <a:t>Consider an Agreements hierarchy</a:t>
-            </a:r>
-            <a:r>
-              <a:rPr lang="en-AU" dirty="0" smtClean="0"/>
-              <a:t> or speciation </a:t>
+              <a:t>Consider an Agreements hierarchy or speciation </a:t>
             </a:r>
           </a:p>
           <a:p>

--- a/references/Car-Box-Agreeing-about-agreements.pptx
+++ b/references/Car-Box-Agreeing-about-agreements.pptx
@@ -4378,12 +4378,15 @@
           <p:nvPr/>
         </p:nvCxnSpPr>
         <p:spPr bwMode="auto">
-          <a:xfrm rot="16200000" flipV="1">
-            <a:off x="3318662" y="3062200"/>
-            <a:ext cx="309108" cy="891690"/>
-          </a:xfrm>
-          <a:prstGeom prst="curvedConnector2">
-            <a:avLst/>
+          <a:xfrm rot="16200000" flipH="1" flipV="1">
+            <a:off x="3325466" y="3209962"/>
+            <a:ext cx="140959" cy="1046231"/>
+          </a:xfrm>
+          <a:prstGeom prst="curvedConnector4">
+            <a:avLst>
+              <a:gd name="adj1" fmla="val -162175"/>
+              <a:gd name="adj2" fmla="val 62095"/>
+            </a:avLst>
           </a:prstGeom>
           <a:solidFill>
             <a:schemeClr val="accent1"/>
@@ -4419,7 +4422,7 @@
         </p:nvSpPr>
         <p:spPr bwMode="auto">
           <a:xfrm>
-            <a:off x="1371189" y="3050941"/>
+            <a:off x="1216648" y="3501008"/>
             <a:ext cx="1656184" cy="792088"/>
           </a:xfrm>
           <a:prstGeom prst="pentagon">
@@ -4490,7 +4493,7 @@
         </p:nvSpPr>
         <p:spPr>
           <a:xfrm>
-            <a:off x="3131840" y="2897052"/>
+            <a:off x="2483768" y="3049215"/>
             <a:ext cx="1855957" cy="307777"/>
           </a:xfrm>
           <a:prstGeom prst="rect">
@@ -4520,7 +4523,7 @@
         </p:nvSpPr>
         <p:spPr>
           <a:xfrm>
-            <a:off x="3112964" y="4694021"/>
+            <a:off x="2555776" y="4653136"/>
             <a:ext cx="1478290" cy="307777"/>
           </a:xfrm>
           <a:prstGeom prst="rect">
@@ -4550,7 +4553,7 @@
         </p:nvSpPr>
         <p:spPr>
           <a:xfrm>
-            <a:off x="6372200" y="3541073"/>
+            <a:off x="6300192" y="3541073"/>
             <a:ext cx="1728191" cy="825372"/>
           </a:xfrm>
           <a:prstGeom prst="ellipse">
@@ -4612,17 +4615,19 @@
           <p:cNvPr id="24" name="Curved Connector 23"/>
           <p:cNvCxnSpPr>
             <a:stCxn id="5" idx="3"/>
-            <a:endCxn id="13" idx="5"/>
+            <a:endCxn id="15" idx="4"/>
           </p:cNvCxnSpPr>
           <p:nvPr/>
         </p:nvCxnSpPr>
         <p:spPr bwMode="auto">
           <a:xfrm rot="5400000">
-            <a:off x="3331048" y="3942550"/>
-            <a:ext cx="284338" cy="891688"/>
-          </a:xfrm>
-          <a:prstGeom prst="curvedConnector2">
-            <a:avLst/>
+            <a:off x="3214361" y="3588393"/>
+            <a:ext cx="46869" cy="1362533"/>
+          </a:xfrm>
+          <a:prstGeom prst="curvedConnector3">
+            <a:avLst>
+              <a:gd name="adj1" fmla="val 745638"/>
+            </a:avLst>
           </a:prstGeom>
           <a:solidFill>
             <a:schemeClr val="accent1"/>
@@ -4662,7 +4667,7 @@
         <p:spPr bwMode="auto">
           <a:xfrm flipV="1">
             <a:off x="5394165" y="3953759"/>
-            <a:ext cx="978035" cy="653"/>
+            <a:ext cx="906027" cy="653"/>
           </a:xfrm>
           <a:prstGeom prst="curvedConnector3">
             <a:avLst>
@@ -4752,77 +4757,6 @@
               <a:t>Ignore the paper’s diagram!</a:t>
             </a:r>
             <a:endParaRPr lang="en-AU" i="1" dirty="0"/>
-          </a:p>
-        </p:txBody>
-      </p:sp>
-      <p:sp>
-        <p:nvSpPr>
-          <p:cNvPr id="13" name="Regular Pentagon 12"/>
-          <p:cNvSpPr/>
-          <p:nvPr/>
-        </p:nvSpPr>
-        <p:spPr bwMode="auto">
-          <a:xfrm>
-            <a:off x="1371191" y="4228013"/>
-            <a:ext cx="1656184" cy="792088"/>
-          </a:xfrm>
-          <a:prstGeom prst="pentagon">
-            <a:avLst/>
-          </a:prstGeom>
-          <a:solidFill>
-            <a:srgbClr val="FF9900"/>
-          </a:solidFill>
-          <a:ln w="25400" cap="flat" cmpd="sng" algn="ctr">
-            <a:solidFill>
-              <a:srgbClr val="FF6600"/>
-            </a:solidFill>
-            <a:prstDash val="solid"/>
-            <a:round/>
-            <a:headEnd type="none" w="med" len="med"/>
-            <a:tailEnd type="none" w="med" len="med"/>
-          </a:ln>
-          <a:effectLst/>
-          <a:extLst/>
-        </p:spPr>
-        <p:txBody>
-          <a:bodyPr vert="horz" wrap="square" lIns="0" tIns="0" rIns="0" bIns="0" numCol="1" rtlCol="0" anchor="ctr" anchorCtr="0" compatLnSpc="1">
-            <a:prstTxWarp prst="textNoShape">
-              <a:avLst/>
-            </a:prstTxWarp>
-            <a:noAutofit/>
-          </a:bodyPr>
-          <a:lstStyle/>
-          <a:p>
-            <a:pPr marL="0" marR="0" indent="0" algn="ctr" defTabSz="914400" rtl="0" eaLnBrk="0" fontAlgn="base" latinLnBrk="0" hangingPunct="0">
-              <a:lnSpc>
-                <a:spcPct val="100000"/>
-              </a:lnSpc>
-              <a:spcBef>
-                <a:spcPct val="0"/>
-              </a:spcBef>
-              <a:spcAft>
-                <a:spcPct val="0"/>
-              </a:spcAft>
-              <a:buClrTx/>
-              <a:buSzTx/>
-              <a:buFontTx/>
-              <a:buNone/>
-              <a:tabLst/>
-            </a:pPr>
-            <a:r>
-              <a:rPr lang="en-AU" sz="1400" dirty="0" err="1" smtClean="0"/>
-              <a:t>org:Group</a:t>
-            </a:r>
-            <a:endParaRPr kumimoji="0" lang="en-AU" sz="1400" b="0" i="0" u="none" strike="noStrike" cap="none" normalizeH="0" baseline="0" dirty="0" smtClean="0">
-              <a:ln>
-                <a:noFill/>
-              </a:ln>
-              <a:solidFill>
-                <a:schemeClr val="tx1"/>
-              </a:solidFill>
-              <a:effectLst/>
-              <a:latin typeface="Arial" charset="0"/>
-            </a:endParaRPr>
           </a:p>
         </p:txBody>
       </p:sp>
